--- a/src/docs/UAE Chapter - Abu Dhabi Open Data Intelligence – High Level Workflow.pptx
+++ b/src/docs/UAE Chapter - Abu Dhabi Open Data Intelligence – High Level Workflow.pptx
@@ -2977,8 +2977,8 @@
         </p:nvSpPr>
         <p:spPr>
           <a:xfrm>
-            <a:off x="259082" y="1193685"/>
-            <a:ext cx="2622367" cy="1815882"/>
+            <a:off x="259082" y="1089181"/>
+            <a:ext cx="2622367" cy="2031325"/>
           </a:xfrm>
           <a:prstGeom prst="rect">
             <a:avLst/>
@@ -2999,8 +2999,29 @@
             <a:pPr algn="ctr"/>
             <a:r>
               <a:rPr lang="en-US" sz="1400" b="1" dirty="0" smtClean="0"/>
-              <a:t>Web Application</a:t>
-            </a:r>
+              <a:t>Web </a:t>
+            </a:r>
+            <a:r>
+              <a:rPr lang="en-US" sz="1400" b="1" dirty="0" smtClean="0"/>
+              <a:t>Application (</a:t>
+            </a:r>
+            <a:r>
+              <a:rPr lang="en-US" sz="1400" b="1" dirty="0" err="1" smtClean="0"/>
+              <a:t>Gradio</a:t>
+            </a:r>
+            <a:r>
+              <a:rPr lang="en-US" sz="1400" b="1" dirty="0" smtClean="0"/>
+              <a:t>, </a:t>
+            </a:r>
+            <a:r>
+              <a:rPr lang="en-US" sz="1400" b="1" dirty="0" err="1" smtClean="0"/>
+              <a:t>Streamlit</a:t>
+            </a:r>
+            <a:r>
+              <a:rPr lang="en-US" sz="1400" b="1" dirty="0" smtClean="0"/>
+              <a:t>, etc.)</a:t>
+            </a:r>
+            <a:endParaRPr lang="en-US" sz="1400" b="1" dirty="0" smtClean="0"/>
           </a:p>
           <a:p>
             <a:r>
@@ -3094,7 +3115,7 @@
         <p:spPr>
           <a:xfrm flipV="1">
             <a:off x="2881449" y="2099257"/>
-            <a:ext cx="479519" cy="2369"/>
+            <a:ext cx="479519" cy="5587"/>
           </a:xfrm>
           <a:prstGeom prst="straightConnector1">
             <a:avLst/>

--- a/src/docs/UAE Chapter - Abu Dhabi Open Data Intelligence – High Level Workflow.pptx
+++ b/src/docs/UAE Chapter - Abu Dhabi Open Data Intelligence – High Level Workflow.pptx
@@ -2999,11 +2999,7 @@
             <a:pPr algn="ctr"/>
             <a:r>
               <a:rPr lang="en-US" sz="1400" b="1" dirty="0" smtClean="0"/>
-              <a:t>Web </a:t>
-            </a:r>
-            <a:r>
-              <a:rPr lang="en-US" sz="1400" b="1" dirty="0" smtClean="0"/>
-              <a:t>Application (</a:t>
+              <a:t>Web Application (</a:t>
             </a:r>
             <a:r>
               <a:rPr lang="en-US" sz="1400" b="1" dirty="0" err="1" smtClean="0"/>
@@ -3021,7 +3017,6 @@
               <a:rPr lang="en-US" sz="1400" b="1" dirty="0" smtClean="0"/>
               <a:t>, etc.)</a:t>
             </a:r>
-            <a:endParaRPr lang="en-US" sz="1400" b="1" dirty="0" smtClean="0"/>
           </a:p>
           <a:p>
             <a:r>
@@ -3712,7 +3707,7 @@
         <p:spPr>
           <a:xfrm>
             <a:off x="8308262" y="4859906"/>
-            <a:ext cx="1538957" cy="738664"/>
+            <a:ext cx="1538957" cy="954107"/>
           </a:xfrm>
           <a:prstGeom prst="rect">
             <a:avLst/>
@@ -3748,7 +3743,7 @@
             </a:r>
             <a:r>
               <a:rPr lang="en-US" sz="1400" b="1" dirty="0" smtClean="0"/>
-              <a:t>/falcon-7b</a:t>
+              <a:t>/falcon-7b-instruct</a:t>
             </a:r>
             <a:r>
               <a:rPr lang="en-US" sz="1400" dirty="0" smtClean="0"/>
@@ -3968,8 +3963,8 @@
         </p:nvSpPr>
         <p:spPr>
           <a:xfrm>
-            <a:off x="5798282" y="4752185"/>
-            <a:ext cx="1446429" cy="954107"/>
+            <a:off x="5798282" y="4647681"/>
+            <a:ext cx="1446429" cy="1169551"/>
           </a:xfrm>
           <a:prstGeom prst="rect">
             <a:avLst/>
@@ -4005,8 +4000,9 @@
             </a:r>
             <a:r>
               <a:rPr lang="en-US" sz="1400" b="1" dirty="0" smtClean="0"/>
-              <a:t>/Falcon-7b</a:t>
-            </a:r>
+              <a:t>/Falcon-7b-instruct</a:t>
+            </a:r>
+            <a:endParaRPr lang="en-US" sz="1400" b="1" dirty="0" smtClean="0"/>
           </a:p>
         </p:txBody>
       </p:sp>
@@ -4020,9 +4016,9 @@
           <p:nvPr/>
         </p:nvCxnSpPr>
         <p:spPr>
-          <a:xfrm flipV="1">
-            <a:off x="5151671" y="5229239"/>
-            <a:ext cx="646611" cy="1"/>
+          <a:xfrm>
+            <a:off x="5151671" y="5229240"/>
+            <a:ext cx="646611" cy="3217"/>
           </a:xfrm>
           <a:prstGeom prst="straightConnector1">
             <a:avLst/>
@@ -4201,8 +4197,8 @@
         </p:nvSpPr>
         <p:spPr>
           <a:xfrm>
-            <a:off x="10565420" y="3501522"/>
-            <a:ext cx="1449977" cy="523220"/>
+            <a:off x="10565420" y="3397018"/>
+            <a:ext cx="1449977" cy="738664"/>
           </a:xfrm>
           <a:prstGeom prst="rect">
             <a:avLst/>
@@ -4229,7 +4225,11 @@
           <a:p>
             <a:r>
               <a:rPr lang="en-US" sz="1400" dirty="0" smtClean="0"/>
-              <a:t>Response in text</a:t>
+              <a:t>Summary &amp; </a:t>
+            </a:r>
+            <a:r>
+              <a:rPr lang="en-US" sz="1400" dirty="0" err="1" smtClean="0"/>
+              <a:t>Visualisation</a:t>
             </a:r>
             <a:endParaRPr lang="en-US" sz="1400" dirty="0"/>
           </a:p>
@@ -4247,7 +4247,7 @@
         <p:spPr>
           <a:xfrm>
             <a:off x="10085901" y="3763132"/>
-            <a:ext cx="479519" cy="0"/>
+            <a:ext cx="479519" cy="3218"/>
           </a:xfrm>
           <a:prstGeom prst="straightConnector1">
             <a:avLst/>
@@ -4283,7 +4283,7 @@
         <p:spPr>
           <a:xfrm>
             <a:off x="10565419" y="4832490"/>
-            <a:ext cx="1449977" cy="954107"/>
+            <a:ext cx="1449977" cy="1169551"/>
           </a:xfrm>
           <a:prstGeom prst="rect">
             <a:avLst/>
@@ -4311,7 +4311,15 @@
             <a:pPr algn="ctr"/>
             <a:r>
               <a:rPr lang="en-US" sz="1400" dirty="0" smtClean="0"/>
-              <a:t>Convert text to audio</a:t>
+              <a:t>Convert </a:t>
+            </a:r>
+            <a:r>
+              <a:rPr lang="en-US" sz="1400" dirty="0" smtClean="0"/>
+              <a:t>summary </a:t>
+            </a:r>
+            <a:r>
+              <a:rPr lang="en-US" sz="1400" dirty="0" smtClean="0"/>
+              <a:t>to audio</a:t>
             </a:r>
             <a:endParaRPr lang="en-US" sz="1400" dirty="0"/>
           </a:p>
@@ -4328,8 +4336,8 @@
         </p:nvCxnSpPr>
         <p:spPr>
           <a:xfrm flipH="1">
-            <a:off x="11290408" y="4024742"/>
-            <a:ext cx="1" cy="807748"/>
+            <a:off x="11290408" y="4135682"/>
+            <a:ext cx="1" cy="696808"/>
           </a:xfrm>
           <a:prstGeom prst="straightConnector1">
             <a:avLst/>
